--- a/Presentations/Individual Meetings/2020-06-23/Meeting2020-06-23.pptx
+++ b/Presentations/Individual Meetings/2020-06-23/Meeting2020-06-23.pptx
@@ -11,7 +11,7 @@
     <p:sldId id="288" r:id="rId5"/>
     <p:sldId id="289" r:id="rId6"/>
     <p:sldId id="290" r:id="rId7"/>
-    <p:sldId id="291" r:id="rId8"/>
+    <p:sldId id="292" r:id="rId8"/>
     <p:sldId id="268" r:id="rId9"/>
   </p:sldIdLst>
   <p:sldSz cx="12192000" cy="6858000"/>
@@ -295,7 +295,7 @@
           <a:p>
             <a:fld id="{E4D37D77-59F4-4F40-A7D2-FD1165658DD5}" type="datetimeFigureOut">
               <a:rPr lang="en-ZA" smtClean="0"/>
-              <a:t>2020-06-19</a:t>
+              <a:t>2020-06-23</a:t>
             </a:fld>
             <a:endParaRPr lang="en-ZA"/>
           </a:p>
@@ -465,7 +465,7 @@
           <a:p>
             <a:fld id="{E4D37D77-59F4-4F40-A7D2-FD1165658DD5}" type="datetimeFigureOut">
               <a:rPr lang="en-ZA" smtClean="0"/>
-              <a:t>2020-06-19</a:t>
+              <a:t>2020-06-23</a:t>
             </a:fld>
             <a:endParaRPr lang="en-ZA"/>
           </a:p>
@@ -688,7 +688,7 @@
           <a:p>
             <a:fld id="{E4D37D77-59F4-4F40-A7D2-FD1165658DD5}" type="datetimeFigureOut">
               <a:rPr lang="en-ZA" smtClean="0"/>
-              <a:t>2020-06-19</a:t>
+              <a:t>2020-06-23</a:t>
             </a:fld>
             <a:endParaRPr lang="en-ZA"/>
           </a:p>
@@ -868,7 +868,7 @@
           <a:p>
             <a:fld id="{E4D37D77-59F4-4F40-A7D2-FD1165658DD5}" type="datetimeFigureOut">
               <a:rPr lang="en-ZA" smtClean="0"/>
-              <a:t>2020-06-19</a:t>
+              <a:t>2020-06-23</a:t>
             </a:fld>
             <a:endParaRPr lang="en-ZA"/>
           </a:p>
@@ -1174,7 +1174,7 @@
           <a:p>
             <a:fld id="{E4D37D77-59F4-4F40-A7D2-FD1165658DD5}" type="datetimeFigureOut">
               <a:rPr lang="en-ZA" smtClean="0"/>
-              <a:t>2020-06-19</a:t>
+              <a:t>2020-06-23</a:t>
             </a:fld>
             <a:endParaRPr lang="en-ZA"/>
           </a:p>
@@ -1478,7 +1478,7 @@
           <a:p>
             <a:fld id="{E4D37D77-59F4-4F40-A7D2-FD1165658DD5}" type="datetimeFigureOut">
               <a:rPr lang="en-ZA" smtClean="0"/>
-              <a:t>2020-06-19</a:t>
+              <a:t>2020-06-23</a:t>
             </a:fld>
             <a:endParaRPr lang="en-ZA"/>
           </a:p>
@@ -1900,7 +1900,7 @@
           <a:p>
             <a:fld id="{E4D37D77-59F4-4F40-A7D2-FD1165658DD5}" type="datetimeFigureOut">
               <a:rPr lang="en-ZA" smtClean="0"/>
-              <a:t>2020-06-19</a:t>
+              <a:t>2020-06-23</a:t>
             </a:fld>
             <a:endParaRPr lang="en-ZA"/>
           </a:p>
@@ -2018,7 +2018,7 @@
           <a:p>
             <a:fld id="{E4D37D77-59F4-4F40-A7D2-FD1165658DD5}" type="datetimeFigureOut">
               <a:rPr lang="en-ZA" smtClean="0"/>
-              <a:t>2020-06-19</a:t>
+              <a:t>2020-06-23</a:t>
             </a:fld>
             <a:endParaRPr lang="en-ZA"/>
           </a:p>
@@ -2113,7 +2113,7 @@
           <a:p>
             <a:fld id="{E4D37D77-59F4-4F40-A7D2-FD1165658DD5}" type="datetimeFigureOut">
               <a:rPr lang="en-ZA" smtClean="0"/>
-              <a:t>2020-06-19</a:t>
+              <a:t>2020-06-23</a:t>
             </a:fld>
             <a:endParaRPr lang="en-ZA"/>
           </a:p>
@@ -2386,7 +2386,7 @@
           <a:p>
             <a:fld id="{E4D37D77-59F4-4F40-A7D2-FD1165658DD5}" type="datetimeFigureOut">
               <a:rPr lang="en-ZA" smtClean="0"/>
-              <a:t>2020-06-19</a:t>
+              <a:t>2020-06-23</a:t>
             </a:fld>
             <a:endParaRPr lang="en-ZA"/>
           </a:p>
@@ -2651,7 +2651,7 @@
           <a:p>
             <a:fld id="{E4D37D77-59F4-4F40-A7D2-FD1165658DD5}" type="datetimeFigureOut">
               <a:rPr lang="en-ZA" smtClean="0"/>
-              <a:t>2020-06-19</a:t>
+              <a:t>2020-06-23</a:t>
             </a:fld>
             <a:endParaRPr lang="en-ZA"/>
           </a:p>
@@ -2900,7 +2900,7 @@
           <a:p>
             <a:fld id="{E4D37D77-59F4-4F40-A7D2-FD1165658DD5}" type="datetimeFigureOut">
               <a:rPr lang="en-ZA" smtClean="0"/>
-              <a:t>2020-06-19</a:t>
+              <a:t>2020-06-23</a:t>
             </a:fld>
             <a:endParaRPr lang="en-ZA"/>
           </a:p>
@@ -5907,7 +5907,7 @@
           <p:cNvPr id="2" name="Title 1">
             <a:extLst>
               <a:ext uri="{FF2B5EF4-FFF2-40B4-BE49-F238E27FC236}">
-                <a16:creationId xmlns:a16="http://schemas.microsoft.com/office/drawing/2014/main" id="{F5EF220D-3481-4723-89A6-C5A802E22CA0}"/>
+                <a16:creationId xmlns:a16="http://schemas.microsoft.com/office/drawing/2014/main" id="{10368BCE-F777-4A5A-A7BC-2F9696C6A2CE}"/>
               </a:ext>
             </a:extLst>
           </p:cNvPr>
@@ -5925,7 +5925,7 @@
           <a:p>
             <a:r>
               <a:rPr lang="en-US" dirty="0"/>
-              <a:t>Pressure Variance</a:t>
+              <a:t>Code</a:t>
             </a:r>
             <a:endParaRPr lang="en-ZA" dirty="0"/>
           </a:p>
@@ -5936,7 +5936,7 @@
           <p:cNvPr id="3" name="Content Placeholder 2">
             <a:extLst>
               <a:ext uri="{FF2B5EF4-FFF2-40B4-BE49-F238E27FC236}">
-                <a16:creationId xmlns:a16="http://schemas.microsoft.com/office/drawing/2014/main" id="{B43EB959-6FF3-4BD6-92DC-7188FC0D5994}"/>
+                <a16:creationId xmlns:a16="http://schemas.microsoft.com/office/drawing/2014/main" id="{7B53D7ED-9B28-43C0-BFD3-8F423F47EA3F}"/>
               </a:ext>
             </a:extLst>
           </p:cNvPr>
@@ -5954,13 +5954,41 @@
           <a:p>
             <a:r>
               <a:rPr lang="en-US" dirty="0"/>
+              <a:t>Pressure variance</a:t>
+            </a:r>
+          </a:p>
+          <a:p>
+            <a:pPr lvl="1"/>
+            <a:r>
+              <a:rPr lang="en-US" dirty="0"/>
               <a:t>Simulations fail at relatively low pressures (0.5 - 1 bar)</a:t>
             </a:r>
           </a:p>
           <a:p>
+            <a:pPr lvl="1"/>
             <a:r>
               <a:rPr lang="en-US" dirty="0"/>
               <a:t>Simulations don’t deform massively at lower pressures (0.1 bar)</a:t>
+            </a:r>
+          </a:p>
+          <a:p>
+            <a:r>
+              <a:rPr lang="en-US" dirty="0"/>
+              <a:t>Add solid neighbouring grids</a:t>
+            </a:r>
+          </a:p>
+          <a:p>
+            <a:pPr lvl="1"/>
+            <a:r>
+              <a:rPr lang="en-US" dirty="0"/>
+              <a:t>Add during template creation</a:t>
+            </a:r>
+          </a:p>
+          <a:p>
+            <a:pPr lvl="1"/>
+            <a:r>
+              <a:rPr lang="en-US" dirty="0"/>
+              <a:t>Allows for higher pressures to be applied</a:t>
             </a:r>
             <a:endParaRPr lang="en-ZA" dirty="0"/>
           </a:p>
@@ -5969,7 +5997,7 @@
     </p:spTree>
     <p:extLst>
       <p:ext uri="{BB962C8B-B14F-4D97-AF65-F5344CB8AC3E}">
-        <p14:creationId xmlns:p14="http://schemas.microsoft.com/office/powerpoint/2010/main" val="2248683381"/>
+        <p14:creationId xmlns:p14="http://schemas.microsoft.com/office/powerpoint/2010/main" val="825560641"/>
       </p:ext>
     </p:extLst>
   </p:cSld>
@@ -6045,6 +6073,12 @@
         <p:txBody>
           <a:bodyPr/>
           <a:lstStyle/>
+          <a:p>
+            <a:r>
+              <a:rPr lang="en-US" dirty="0"/>
+              <a:t>Lab access</a:t>
+            </a:r>
+          </a:p>
           <a:p>
             <a:r>
               <a:rPr lang="en-US" dirty="0"/>
